--- a/Presentation/Crab Game.pptx
+++ b/Presentation/Crab Game.pptx
@@ -3730,7 +3730,15 @@
           <a:p>
             <a:r>
               <a:rPr lang="en-GB" dirty="0"/>
-              <a:t>I created 5 classes for this game: Counter, Crab, Worm, </a:t>
+              <a:t>I created 6 classes for this game: </a:t>
+            </a:r>
+            <a:r>
+              <a:rPr lang="en-GB" dirty="0" err="1"/>
+              <a:t>CrabWorld</a:t>
+            </a:r>
+            <a:r>
+              <a:rPr lang="en-GB" dirty="0"/>
+              <a:t>, Counter, Crab, Worm, </a:t>
             </a:r>
             <a:r>
               <a:rPr lang="en-GB" dirty="0" err="1"/>
@@ -3765,10 +3773,10 @@
       </p:sp>
       <p:pic>
         <p:nvPicPr>
-          <p:cNvPr id="7" name="Picture 6" descr="Diagram&#10;&#10;Description automatically generated with medium confidence">
-            <a:extLst>
-              <a:ext uri="{FF2B5EF4-FFF2-40B4-BE49-F238E27FC236}">
-                <a16:creationId xmlns:a16="http://schemas.microsoft.com/office/drawing/2014/main" id="{4A38460F-84D9-CDE9-F396-66CB0495B948}"/>
+          <p:cNvPr id="5" name="Picture 4" descr="Diagram&#10;&#10;Description automatically generated with low confidence">
+            <a:extLst>
+              <a:ext uri="{FF2B5EF4-FFF2-40B4-BE49-F238E27FC236}">
+                <a16:creationId xmlns:a16="http://schemas.microsoft.com/office/drawing/2014/main" id="{0A5BAB93-7285-8154-9B4A-8603DB5F16FA}"/>
               </a:ext>
             </a:extLst>
           </p:cNvPr>
@@ -3791,8 +3799,8 @@
         </p:blipFill>
         <p:spPr>
           <a:xfrm>
-            <a:off x="4679050" y="4397192"/>
-            <a:ext cx="1912250" cy="2358157"/>
+            <a:off x="4769375" y="4423568"/>
+            <a:ext cx="1484350" cy="2335212"/>
           </a:xfrm>
           <a:prstGeom prst="rect">
             <a:avLst/>
